--- a/MaxthonExtension/html/mvvm讲解.pptx
+++ b/MaxthonExtension/html/mvvm讲解.pptx
@@ -10,6 +10,7 @@
     <p:sldId id="260" r:id="rId4"/>
     <p:sldId id="258" r:id="rId5"/>
     <p:sldId id="261" r:id="rId6"/>
+    <p:sldId id="262" r:id="rId7"/>
   </p:sldIdLst>
   <p:sldSz cx="12192000" cy="6858000"/>
   <p:notesSz cx="6858000" cy="9144000"/>
@@ -108,6 +109,11 @@
       </a:defRPr>
     </a:lvl9pPr>
   </p:defaultTextStyle>
+  <p:extLst>
+    <p:ext uri="{EFAFB233-063F-42B5-8137-9DF3F51BA10A}">
+      <p15:sldGuideLst xmlns:p15="http://schemas.microsoft.com/office/powerpoint/2012/main"/>
+    </p:ext>
+  </p:extLst>
 </p:presentation>
 </file>
 
@@ -242,7 +248,7 @@
           <a:p>
             <a:fld id="{C677656E-64C0-4796-9B92-0AA6DC06A95A}" type="datetimeFigureOut">
               <a:rPr lang="zh-CN" altLang="en-US" smtClean="0"/>
-              <a:t>2015-03-16</a:t>
+              <a:t>2015-03-18</a:t>
             </a:fld>
             <a:endParaRPr lang="zh-CN" altLang="en-US"/>
           </a:p>
@@ -412,7 +418,7 @@
           <a:p>
             <a:fld id="{C677656E-64C0-4796-9B92-0AA6DC06A95A}" type="datetimeFigureOut">
               <a:rPr lang="zh-CN" altLang="en-US" smtClean="0"/>
-              <a:t>2015-03-16</a:t>
+              <a:t>2015-03-18</a:t>
             </a:fld>
             <a:endParaRPr lang="zh-CN" altLang="en-US"/>
           </a:p>
@@ -592,7 +598,7 @@
           <a:p>
             <a:fld id="{C677656E-64C0-4796-9B92-0AA6DC06A95A}" type="datetimeFigureOut">
               <a:rPr lang="zh-CN" altLang="en-US" smtClean="0"/>
-              <a:t>2015-03-16</a:t>
+              <a:t>2015-03-18</a:t>
             </a:fld>
             <a:endParaRPr lang="zh-CN" altLang="en-US"/>
           </a:p>
@@ -762,7 +768,7 @@
           <a:p>
             <a:fld id="{C677656E-64C0-4796-9B92-0AA6DC06A95A}" type="datetimeFigureOut">
               <a:rPr lang="zh-CN" altLang="en-US" smtClean="0"/>
-              <a:t>2015-03-16</a:t>
+              <a:t>2015-03-18</a:t>
             </a:fld>
             <a:endParaRPr lang="zh-CN" altLang="en-US"/>
           </a:p>
@@ -1008,7 +1014,7 @@
           <a:p>
             <a:fld id="{C677656E-64C0-4796-9B92-0AA6DC06A95A}" type="datetimeFigureOut">
               <a:rPr lang="zh-CN" altLang="en-US" smtClean="0"/>
-              <a:t>2015-03-16</a:t>
+              <a:t>2015-03-18</a:t>
             </a:fld>
             <a:endParaRPr lang="zh-CN" altLang="en-US"/>
           </a:p>
@@ -1240,7 +1246,7 @@
           <a:p>
             <a:fld id="{C677656E-64C0-4796-9B92-0AA6DC06A95A}" type="datetimeFigureOut">
               <a:rPr lang="zh-CN" altLang="en-US" smtClean="0"/>
-              <a:t>2015-03-16</a:t>
+              <a:t>2015-03-18</a:t>
             </a:fld>
             <a:endParaRPr lang="zh-CN" altLang="en-US"/>
           </a:p>
@@ -1607,7 +1613,7 @@
           <a:p>
             <a:fld id="{C677656E-64C0-4796-9B92-0AA6DC06A95A}" type="datetimeFigureOut">
               <a:rPr lang="zh-CN" altLang="en-US" smtClean="0"/>
-              <a:t>2015-03-16</a:t>
+              <a:t>2015-03-18</a:t>
             </a:fld>
             <a:endParaRPr lang="zh-CN" altLang="en-US"/>
           </a:p>
@@ -1725,7 +1731,7 @@
           <a:p>
             <a:fld id="{C677656E-64C0-4796-9B92-0AA6DC06A95A}" type="datetimeFigureOut">
               <a:rPr lang="zh-CN" altLang="en-US" smtClean="0"/>
-              <a:t>2015-03-16</a:t>
+              <a:t>2015-03-18</a:t>
             </a:fld>
             <a:endParaRPr lang="zh-CN" altLang="en-US"/>
           </a:p>
@@ -1820,7 +1826,7 @@
           <a:p>
             <a:fld id="{C677656E-64C0-4796-9B92-0AA6DC06A95A}" type="datetimeFigureOut">
               <a:rPr lang="zh-CN" altLang="en-US" smtClean="0"/>
-              <a:t>2015-03-16</a:t>
+              <a:t>2015-03-18</a:t>
             </a:fld>
             <a:endParaRPr lang="zh-CN" altLang="en-US"/>
           </a:p>
@@ -2097,7 +2103,7 @@
           <a:p>
             <a:fld id="{C677656E-64C0-4796-9B92-0AA6DC06A95A}" type="datetimeFigureOut">
               <a:rPr lang="zh-CN" altLang="en-US" smtClean="0"/>
-              <a:t>2015-03-16</a:t>
+              <a:t>2015-03-18</a:t>
             </a:fld>
             <a:endParaRPr lang="zh-CN" altLang="en-US"/>
           </a:p>
@@ -2350,7 +2356,7 @@
           <a:p>
             <a:fld id="{C677656E-64C0-4796-9B92-0AA6DC06A95A}" type="datetimeFigureOut">
               <a:rPr lang="zh-CN" altLang="en-US" smtClean="0"/>
-              <a:t>2015-03-16</a:t>
+              <a:t>2015-03-18</a:t>
             </a:fld>
             <a:endParaRPr lang="zh-CN" altLang="en-US"/>
           </a:p>
@@ -2563,7 +2569,7 @@
           <a:p>
             <a:fld id="{C677656E-64C0-4796-9B92-0AA6DC06A95A}" type="datetimeFigureOut">
               <a:rPr lang="zh-CN" altLang="en-US" smtClean="0"/>
-              <a:t>2015-03-16</a:t>
+              <a:t>2015-03-18</a:t>
             </a:fld>
             <a:endParaRPr lang="zh-CN" altLang="en-US"/>
           </a:p>
@@ -3655,6 +3661,176 @@
           <a:chExt cx="0" cy="0"/>
         </a:xfrm>
       </p:grpSpPr>
+      <p:sp>
+        <p:nvSpPr>
+          <p:cNvPr id="2" name="矩形 1"/>
+          <p:cNvSpPr/>
+          <p:nvPr/>
+        </p:nvSpPr>
+        <p:spPr>
+          <a:xfrm>
+            <a:off x="123644" y="116327"/>
+            <a:ext cx="3439065" cy="3416320"/>
+          </a:xfrm>
+          <a:prstGeom prst="rect">
+            <a:avLst/>
+          </a:prstGeom>
+        </p:spPr>
+        <p:txBody>
+          <a:bodyPr wrap="square">
+            <a:spAutoFit/>
+          </a:bodyPr>
+          <a:lstStyle/>
+          <a:p>
+            <a:r>
+              <a:rPr lang="en-US" altLang="zh-CN" dirty="0" err="1"/>
+              <a:t>Object.defineProperty</a:t>
+            </a:r>
+            <a:r>
+              <a:rPr lang="en-US" altLang="zh-CN" dirty="0"/>
+              <a:t>(</a:t>
+            </a:r>
+            <a:r>
+              <a:rPr lang="en-US" altLang="zh-CN" dirty="0" err="1"/>
+              <a:t>obj</a:t>
+            </a:r>
+            <a:r>
+              <a:rPr lang="en-US" altLang="zh-CN" dirty="0"/>
+              <a:t>, "</a:t>
+            </a:r>
+            <a:r>
+              <a:rPr lang="en-US" altLang="zh-CN" dirty="0" err="1"/>
+              <a:t>aaa</a:t>
+            </a:r>
+            <a:r>
+              <a:rPr lang="en-US" altLang="zh-CN" dirty="0"/>
+              <a:t>", {</a:t>
+            </a:r>
+            <a:br>
+              <a:rPr lang="en-US" altLang="zh-CN" dirty="0"/>
+            </a:br>
+            <a:r>
+              <a:rPr lang="en-US" altLang="zh-CN" dirty="0"/>
+              <a:t>    get : function(){</a:t>
+            </a:r>
+            <a:br>
+              <a:rPr lang="en-US" altLang="zh-CN" dirty="0"/>
+            </a:br>
+            <a:r>
+              <a:rPr lang="en-US" altLang="zh-CN" dirty="0"/>
+              <a:t>        return </a:t>
+            </a:r>
+            <a:r>
+              <a:rPr lang="en-US" altLang="zh-CN" dirty="0" err="1"/>
+              <a:t>aValue</a:t>
+            </a:r>
+            <a:r>
+              <a:rPr lang="en-US" altLang="zh-CN" dirty="0"/>
+              <a:t>;</a:t>
+            </a:r>
+            <a:br>
+              <a:rPr lang="en-US" altLang="zh-CN" dirty="0"/>
+            </a:br>
+            <a:r>
+              <a:rPr lang="en-US" altLang="zh-CN" dirty="0"/>
+              <a:t>    },</a:t>
+            </a:r>
+            <a:br>
+              <a:rPr lang="en-US" altLang="zh-CN" dirty="0"/>
+            </a:br>
+            <a:r>
+              <a:rPr lang="en-US" altLang="zh-CN" dirty="0"/>
+              <a:t>    set : function(</a:t>
+            </a:r>
+            <a:r>
+              <a:rPr lang="en-US" altLang="zh-CN" dirty="0" err="1"/>
+              <a:t>newValue</a:t>
+            </a:r>
+            <a:r>
+              <a:rPr lang="en-US" altLang="zh-CN" dirty="0"/>
+              <a:t>){ </a:t>
+            </a:r>
+            <a:br>
+              <a:rPr lang="en-US" altLang="zh-CN" dirty="0"/>
+            </a:br>
+            <a:r>
+              <a:rPr lang="en-US" altLang="zh-CN" dirty="0"/>
+              <a:t>        </a:t>
+            </a:r>
+            <a:r>
+              <a:rPr lang="en-US" altLang="zh-CN" dirty="0" err="1"/>
+              <a:t>obj.bbb</a:t>
+            </a:r>
+            <a:r>
+              <a:rPr lang="en-US" altLang="zh-CN" dirty="0"/>
+              <a:t> += </a:t>
+            </a:r>
+            <a:r>
+              <a:rPr lang="en-US" altLang="zh-CN" dirty="0" err="1"/>
+              <a:t>newValue</a:t>
+            </a:r>
+            <a:r>
+              <a:rPr lang="en-US" altLang="zh-CN" dirty="0"/>
+              <a:t/>
+            </a:r>
+            <a:br>
+              <a:rPr lang="en-US" altLang="zh-CN" dirty="0"/>
+            </a:br>
+            <a:r>
+              <a:rPr lang="en-US" altLang="zh-CN" dirty="0"/>
+              <a:t>        </a:t>
+            </a:r>
+            <a:r>
+              <a:rPr lang="en-US" altLang="zh-CN" dirty="0" err="1"/>
+              <a:t>aValue</a:t>
+            </a:r>
+            <a:r>
+              <a:rPr lang="en-US" altLang="zh-CN" dirty="0"/>
+              <a:t> = </a:t>
+            </a:r>
+            <a:r>
+              <a:rPr lang="en-US" altLang="zh-CN" dirty="0" err="1"/>
+              <a:t>newValue</a:t>
+            </a:r>
+            <a:r>
+              <a:rPr lang="en-US" altLang="zh-CN" dirty="0"/>
+              <a:t>; </a:t>
+            </a:r>
+            <a:br>
+              <a:rPr lang="en-US" altLang="zh-CN" dirty="0"/>
+            </a:br>
+            <a:r>
+              <a:rPr lang="en-US" altLang="zh-CN" dirty="0"/>
+              <a:t>    },</a:t>
+            </a:r>
+            <a:br>
+              <a:rPr lang="en-US" altLang="zh-CN" dirty="0"/>
+            </a:br>
+            <a:r>
+              <a:rPr lang="en-US" altLang="zh-CN" dirty="0"/>
+              <a:t>    enumerable : true,</a:t>
+            </a:r>
+            <a:br>
+              <a:rPr lang="en-US" altLang="zh-CN" dirty="0"/>
+            </a:br>
+            <a:r>
+              <a:rPr lang="en-US" altLang="zh-CN" dirty="0"/>
+              <a:t>    configurable : true</a:t>
+            </a:r>
+            <a:br>
+              <a:rPr lang="en-US" altLang="zh-CN" dirty="0"/>
+            </a:br>
+            <a:r>
+              <a:rPr lang="en-US" altLang="zh-CN" dirty="0"/>
+              <a:t>})</a:t>
+            </a:r>
+            <a:br>
+              <a:rPr lang="en-US" altLang="zh-CN" dirty="0"/>
+            </a:br>
+            <a:endParaRPr lang="en-US" altLang="zh-CN" dirty="0"/>
+          </a:p>
+        </p:txBody>
+      </p:sp>
     </p:spTree>
     <p:extLst>
       <p:ext uri="{BB962C8B-B14F-4D97-AF65-F5344CB8AC3E}">
@@ -3672,6 +3848,66 @@
       </p:par>
     </p:tnLst>
   </p:timing>
+</p:sld>
+</file>
+
+<file path=ppt/slides/slide6.xml><?xml version="1.0" encoding="utf-8"?>
+<p:sld xmlns:a="http://schemas.openxmlformats.org/drawingml/2006/main" xmlns:r="http://schemas.openxmlformats.org/officeDocument/2006/relationships" xmlns:p="http://schemas.openxmlformats.org/presentationml/2006/main">
+  <p:cSld>
+    <p:spTree>
+      <p:nvGrpSpPr>
+        <p:cNvPr id="1" name=""/>
+        <p:cNvGrpSpPr/>
+        <p:nvPr/>
+      </p:nvGrpSpPr>
+      <p:grpSpPr>
+        <a:xfrm>
+          <a:off x="0" y="0"/>
+          <a:ext cx="0" cy="0"/>
+          <a:chOff x="0" y="0"/>
+          <a:chExt cx="0" cy="0"/>
+        </a:xfrm>
+      </p:grpSpPr>
+      <p:pic>
+        <p:nvPicPr>
+          <p:cNvPr id="4" name="图片 3"/>
+          <p:cNvPicPr>
+            <a:picLocks noChangeAspect="1"/>
+          </p:cNvPicPr>
+          <p:nvPr/>
+        </p:nvPicPr>
+        <p:blipFill>
+          <a:blip r:embed="rId2">
+            <a:extLst>
+              <a:ext uri="{28A0092B-C50C-407E-A947-70E740481C1C}">
+                <a14:useLocalDpi xmlns:a14="http://schemas.microsoft.com/office/drawing/2010/main" val="0"/>
+              </a:ext>
+            </a:extLst>
+          </a:blip>
+          <a:stretch>
+            <a:fillRect/>
+          </a:stretch>
+        </p:blipFill>
+        <p:spPr>
+          <a:xfrm>
+            <a:off x="3952875" y="0"/>
+            <a:ext cx="4286250" cy="6858000"/>
+          </a:xfrm>
+          <a:prstGeom prst="rect">
+            <a:avLst/>
+          </a:prstGeom>
+        </p:spPr>
+      </p:pic>
+    </p:spTree>
+    <p:extLst>
+      <p:ext uri="{BB962C8B-B14F-4D97-AF65-F5344CB8AC3E}">
+        <p14:creationId xmlns:p14="http://schemas.microsoft.com/office/powerpoint/2010/main" val="101617794"/>
+      </p:ext>
+    </p:extLst>
+  </p:cSld>
+  <p:clrMapOvr>
+    <a:masterClrMapping/>
+  </p:clrMapOvr>
 </p:sld>
 </file>
 
